--- a/Fibonacci Sequence Kata.pptx
+++ b/Fibonacci Sequence Kata.pptx
@@ -9698,7 +9698,6 @@
               <a:rPr lang="fr-FR" sz="900" dirty="0" smtClean="0"/>
               <a:t>}</a:t>
             </a:r>
-            <a:endParaRPr lang="fr-FR" sz="900" dirty="0" smtClean="0"/>
           </a:p>
           <a:p>
             <a:pPr eaLnBrk="1" hangingPunct="1">
@@ -10051,15 +10050,7 @@
             </a:pPr>
             <a:r>
               <a:rPr lang="en-US" altLang="fr-FR" dirty="0" smtClean="0"/>
-              <a:t>The </a:t>
-            </a:r>
-            <a:r>
-              <a:rPr lang="en-US" altLang="fr-FR" dirty="0" smtClean="0"/>
-              <a:t>second test</a:t>
-            </a:r>
-            <a:r>
-              <a:rPr lang="en-US" altLang="fr-FR" dirty="0" smtClean="0"/>
-              <a:t>.</a:t>
+              <a:t>The second test.</a:t>
             </a:r>
           </a:p>
         </p:txBody>
@@ -10712,13 +10703,7 @@
               <a:rPr lang="en-US" altLang="fr-FR" sz="1000" dirty="0" smtClean="0">
                 <a:latin typeface="Bradley Hand ITC" charset="0"/>
               </a:rPr>
-              <a:t>Fibonacci </a:t>
-            </a:r>
-            <a:r>
-              <a:rPr lang="en-US" altLang="fr-FR" sz="1000" dirty="0" smtClean="0">
-                <a:latin typeface="Bradley Hand ITC" charset="0"/>
-              </a:rPr>
-              <a:t>creation </a:t>
+              <a:t>Fibonacci creation </a:t>
             </a:r>
             <a:r>
               <a:rPr lang="en-US" altLang="fr-FR" sz="1000" dirty="0">
@@ -11522,13 +11507,7 @@
               <a:rPr lang="en-US" altLang="fr-FR" sz="1000" dirty="0" smtClean="0">
                 <a:latin typeface="Bradley Hand ITC" charset="0"/>
               </a:rPr>
-              <a:t>Fibonacci </a:t>
-            </a:r>
-            <a:r>
-              <a:rPr lang="en-US" altLang="fr-FR" sz="1000" dirty="0" smtClean="0">
-                <a:latin typeface="Bradley Hand ITC" charset="0"/>
-              </a:rPr>
-              <a:t>creation </a:t>
+              <a:t>Fibonacci creation </a:t>
             </a:r>
             <a:r>
               <a:rPr lang="en-US" altLang="fr-FR" sz="1000" dirty="0">
@@ -12182,11 +12161,7 @@
             </a:r>
             <a:r>
               <a:rPr lang="fr-FR" sz="900" dirty="0" smtClean="0"/>
-              <a:t>[]{</a:t>
-            </a:r>
-            <a:r>
-              <a:rPr lang="fr-FR" sz="900" dirty="0" smtClean="0"/>
-              <a:t>0,0};</a:t>
+              <a:t>[]{0,0};</a:t>
             </a:r>
             <a:r>
               <a:rPr lang="fr-FR" sz="900" dirty="0"/>
@@ -12275,7 +12250,6 @@
               <a:rPr lang="en-US" altLang="fr-FR" sz="1000" dirty="0"/>
               <a:t>&gt; but is:&lt;0&gt;</a:t>
             </a:r>
-            <a:endParaRPr lang="en-US" altLang="fr-FR" sz="1000" dirty="0"/>
           </a:p>
         </p:txBody>
       </p:sp>
@@ -12341,13 +12315,7 @@
               <a:rPr lang="en-US" altLang="fr-FR" sz="1000" dirty="0" smtClean="0">
                 <a:latin typeface="Bradley Hand ITC" charset="0"/>
               </a:rPr>
-              <a:t>Fibonacci </a:t>
-            </a:r>
-            <a:r>
-              <a:rPr lang="en-US" altLang="fr-FR" sz="1000" dirty="0" smtClean="0">
-                <a:latin typeface="Bradley Hand ITC" charset="0"/>
-              </a:rPr>
-              <a:t>creation </a:t>
+              <a:t>Fibonacci creation </a:t>
             </a:r>
             <a:r>
               <a:rPr lang="en-US" altLang="fr-FR" sz="1000" dirty="0">
@@ -12665,19 +12633,7 @@
             </a:r>
             <a:r>
               <a:rPr lang="fr-FR" sz="900" dirty="0" smtClean="0"/>
-              <a:t>(1</a:t>
-            </a:r>
-            <a:r>
-              <a:rPr lang="fr-FR" sz="900" dirty="0" smtClean="0"/>
-              <a:t>)[0</a:t>
-            </a:r>
-            <a:r>
-              <a:rPr lang="fr-FR" sz="900" dirty="0" smtClean="0"/>
-              <a:t>]);</a:t>
-            </a:r>
-            <a:r>
-              <a:rPr lang="fr-FR" sz="900" dirty="0" smtClean="0"/>
-              <a:t/>
+              <a:t>(1)[0]);</a:t>
             </a:r>
             <a:br>
               <a:rPr lang="fr-FR" sz="900" dirty="0" smtClean="0"/>
@@ -13042,11 +12998,7 @@
             </a:r>
             <a:r>
               <a:rPr lang="fr-FR" sz="900" dirty="0" smtClean="0"/>
-              <a:t>[]{</a:t>
-            </a:r>
-            <a:r>
-              <a:rPr lang="fr-FR" sz="900" dirty="0" smtClean="0"/>
-              <a:t>0,1};</a:t>
+              <a:t>[]{0,1};</a:t>
             </a:r>
             <a:r>
               <a:rPr lang="fr-FR" sz="900" dirty="0"/>
@@ -13136,13 +13088,7 @@
               <a:rPr lang="en-US" altLang="fr-FR" sz="1000" dirty="0" smtClean="0">
                 <a:latin typeface="Bradley Hand ITC" charset="0"/>
               </a:rPr>
-              <a:t>Fibonacci </a:t>
-            </a:r>
-            <a:r>
-              <a:rPr lang="en-US" altLang="fr-FR" sz="1000" dirty="0" smtClean="0">
-                <a:latin typeface="Bradley Hand ITC" charset="0"/>
-              </a:rPr>
-              <a:t>creation </a:t>
+              <a:t>Fibonacci creation </a:t>
             </a:r>
             <a:r>
               <a:rPr lang="en-US" altLang="fr-FR" sz="1000" dirty="0">
@@ -13278,15 +13224,7 @@
             </a:pPr>
             <a:r>
               <a:rPr lang="en-US" altLang="fr-FR" dirty="0" smtClean="0"/>
-              <a:t>The </a:t>
-            </a:r>
-            <a:r>
-              <a:rPr lang="en-US" altLang="fr-FR" dirty="0" smtClean="0"/>
-              <a:t>second test</a:t>
-            </a:r>
-            <a:r>
-              <a:rPr lang="en-US" altLang="fr-FR" dirty="0" smtClean="0"/>
-              <a:t>.</a:t>
+              <a:t>The second test.</a:t>
             </a:r>
           </a:p>
         </p:txBody>
@@ -13886,11 +13824,7 @@
             </a:r>
             <a:r>
               <a:rPr lang="fr-FR" sz="900" dirty="0" smtClean="0"/>
-              <a:t>[]{</a:t>
-            </a:r>
-            <a:r>
-              <a:rPr lang="fr-FR" sz="900" dirty="0" smtClean="0"/>
-              <a:t>0,1};</a:t>
+              <a:t>[]{0,1};</a:t>
             </a:r>
             <a:r>
               <a:rPr lang="fr-FR" sz="900" dirty="0"/>
@@ -13982,9 +13916,6 @@
               </a:rPr>
               <a:t>Generate is duplicated</a:t>
             </a:r>
-            <a:endParaRPr lang="en-US" altLang="fr-FR" sz="1000" dirty="0">
-              <a:latin typeface="Bradley Hand ITC" charset="0"/>
-            </a:endParaRPr>
           </a:p>
         </p:txBody>
       </p:sp>
@@ -14091,15 +14022,7 @@
             </a:pPr>
             <a:r>
               <a:rPr lang="en-US" altLang="fr-FR" dirty="0" smtClean="0"/>
-              <a:t>The </a:t>
-            </a:r>
-            <a:r>
-              <a:rPr lang="en-US" altLang="fr-FR" dirty="0" smtClean="0"/>
-              <a:t>second test</a:t>
-            </a:r>
-            <a:r>
-              <a:rPr lang="en-US" altLang="fr-FR" dirty="0" smtClean="0"/>
-              <a:t>.</a:t>
+              <a:t>The second test.</a:t>
             </a:r>
           </a:p>
         </p:txBody>
@@ -14276,11 +14199,7 @@
             </a:br>
             <a:r>
               <a:rPr lang="fr-FR" sz="900" dirty="0"/>
-              <a:t>    </a:t>
-            </a:r>
-            <a:r>
-              <a:rPr lang="fr-FR" sz="900" dirty="0"/>
-              <a:t>@</a:t>
+              <a:t>    @</a:t>
             </a:r>
             <a:r>
               <a:rPr lang="fr-FR" sz="900" dirty="0" err="1" smtClean="0"/>
@@ -14368,11 +14287,7 @@
             </a:br>
             <a:r>
               <a:rPr lang="fr-FR" sz="900" dirty="0"/>
-              <a:t>    </a:t>
-            </a:r>
-            <a:r>
-              <a:rPr lang="fr-FR" sz="900" dirty="0"/>
-              <a:t>@</a:t>
+              <a:t>    @</a:t>
             </a:r>
             <a:r>
               <a:rPr lang="fr-FR" sz="900" dirty="0" smtClean="0"/>
@@ -14444,11 +14359,7 @@
             </a:br>
             <a:r>
               <a:rPr lang="fr-FR" sz="900" dirty="0"/>
-              <a:t>    </a:t>
-            </a:r>
-            <a:r>
-              <a:rPr lang="fr-FR" sz="900" dirty="0"/>
-              <a:t>@</a:t>
+              <a:t>    @</a:t>
             </a:r>
             <a:r>
               <a:rPr lang="fr-FR" sz="900" dirty="0" smtClean="0"/>
@@ -14507,11 +14418,7 @@
             </a:r>
             <a:r>
               <a:rPr lang="fr-FR" sz="900" dirty="0"/>
-              <a:t>)[</a:t>
-            </a:r>
-            <a:r>
-              <a:rPr lang="fr-FR" sz="900" dirty="0"/>
-              <a:t>1</a:t>
+              <a:t>)[1</a:t>
             </a:r>
             <a:r>
               <a:rPr lang="fr-FR" sz="900" dirty="0" smtClean="0"/>
@@ -14755,11 +14662,7 @@
             </a:r>
             <a:r>
               <a:rPr lang="fr-FR" sz="900" dirty="0" smtClean="0"/>
-              <a:t>[]{</a:t>
-            </a:r>
-            <a:r>
-              <a:rPr lang="fr-FR" sz="900" dirty="0" smtClean="0"/>
-              <a:t>0,1};</a:t>
+              <a:t>[]{0,1};</a:t>
             </a:r>
             <a:r>
               <a:rPr lang="fr-FR" sz="900" dirty="0"/>
@@ -14851,9 +14754,6 @@
               </a:rPr>
               <a:t>Generate is duplicated</a:t>
             </a:r>
-            <a:endParaRPr lang="en-US" altLang="fr-FR" sz="1000" dirty="0">
-              <a:latin typeface="Bradley Hand ITC" charset="0"/>
-            </a:endParaRPr>
           </a:p>
         </p:txBody>
       </p:sp>
@@ -15272,15 +15172,7 @@
             </a:pPr>
             <a:r>
               <a:rPr lang="en-US" altLang="fr-FR" dirty="0" smtClean="0"/>
-              <a:t>The </a:t>
-            </a:r>
-            <a:r>
-              <a:rPr lang="en-US" altLang="fr-FR" dirty="0" smtClean="0"/>
-              <a:t>second test</a:t>
-            </a:r>
-            <a:r>
-              <a:rPr lang="en-US" altLang="fr-FR" dirty="0" smtClean="0"/>
-              <a:t>.</a:t>
+              <a:t>The second test.</a:t>
             </a:r>
           </a:p>
         </p:txBody>
@@ -15927,15 +15819,7 @@
             </a:r>
             <a:r>
               <a:rPr lang="fr-FR" sz="900" dirty="0"/>
-              <a:t>i = </a:t>
-            </a:r>
-            <a:r>
-              <a:rPr lang="fr-FR" sz="900" dirty="0"/>
-              <a:t>0</a:t>
-            </a:r>
-            <a:r>
-              <a:rPr lang="fr-FR" sz="900" dirty="0"/>
-              <a:t>; i &lt; </a:t>
+              <a:t>i = 0; i &lt; </a:t>
             </a:r>
             <a:r>
               <a:rPr lang="fr-FR" sz="900" dirty="0" err="1"/>
@@ -16001,10 +15885,6 @@
             <a:r>
               <a:rPr lang="fr-FR" sz="900" dirty="0"/>
               <a:t>;</a:t>
-            </a:r>
-            <a:r>
-              <a:rPr lang="fr-FR" sz="900" dirty="0"/>
-              <a:t/>
             </a:r>
             <a:br>
               <a:rPr lang="fr-FR" sz="900" dirty="0"/>
@@ -16092,9 +15972,6 @@
               </a:rPr>
               <a:t>Generate is duplicated</a:t>
             </a:r>
-            <a:endParaRPr lang="en-US" altLang="fr-FR" sz="1000" dirty="0">
-              <a:latin typeface="Bradley Hand ITC" charset="0"/>
-            </a:endParaRPr>
           </a:p>
         </p:txBody>
       </p:sp>
@@ -16201,15 +16078,7 @@
             </a:pPr>
             <a:r>
               <a:rPr lang="en-US" altLang="fr-FR" dirty="0" smtClean="0"/>
-              <a:t>The </a:t>
-            </a:r>
-            <a:r>
-              <a:rPr lang="en-US" altLang="fr-FR" dirty="0" smtClean="0"/>
-              <a:t>second test</a:t>
-            </a:r>
-            <a:r>
-              <a:rPr lang="en-US" altLang="fr-FR" dirty="0" smtClean="0"/>
-              <a:t>.</a:t>
+              <a:t>The second test.</a:t>
             </a:r>
           </a:p>
         </p:txBody>
@@ -16672,15 +16541,7 @@
             </a:r>
             <a:r>
               <a:rPr lang="fr-FR" sz="900" dirty="0"/>
-              <a:t>(index + </a:t>
-            </a:r>
-            <a:r>
-              <a:rPr lang="fr-FR" sz="900" dirty="0"/>
-              <a:t>1</a:t>
-            </a:r>
-            <a:r>
-              <a:rPr lang="fr-FR" sz="900" dirty="0"/>
-              <a:t>)[index];</a:t>
+              <a:t>(index + 1)[index];</a:t>
             </a:r>
             <a:br>
               <a:rPr lang="fr-FR" sz="900" dirty="0"/>
@@ -16955,15 +16816,7 @@
             </a:r>
             <a:r>
               <a:rPr lang="fr-FR" sz="900" dirty="0"/>
-              <a:t>i = </a:t>
-            </a:r>
-            <a:r>
-              <a:rPr lang="fr-FR" sz="900" dirty="0"/>
-              <a:t>0</a:t>
-            </a:r>
-            <a:r>
-              <a:rPr lang="fr-FR" sz="900" dirty="0"/>
-              <a:t>; i &lt; </a:t>
+              <a:t>i = 0; i &lt; </a:t>
             </a:r>
             <a:r>
               <a:rPr lang="fr-FR" sz="900" dirty="0" err="1"/>
@@ -17029,10 +16882,6 @@
             <a:r>
               <a:rPr lang="fr-FR" sz="900" dirty="0"/>
               <a:t>;</a:t>
-            </a:r>
-            <a:r>
-              <a:rPr lang="fr-FR" sz="900" dirty="0"/>
-              <a:t/>
             </a:r>
             <a:br>
               <a:rPr lang="fr-FR" sz="900" dirty="0"/>
@@ -17221,15 +17070,7 @@
             </a:pPr>
             <a:r>
               <a:rPr lang="en-US" altLang="fr-FR" dirty="0" smtClean="0"/>
-              <a:t>The </a:t>
-            </a:r>
-            <a:r>
-              <a:rPr lang="en-US" altLang="fr-FR" dirty="0" smtClean="0"/>
-              <a:t>third test</a:t>
-            </a:r>
-            <a:r>
-              <a:rPr lang="en-US" altLang="fr-FR" dirty="0" smtClean="0"/>
-              <a:t>.</a:t>
+              <a:t>The third test.</a:t>
             </a:r>
           </a:p>
         </p:txBody>
@@ -17782,15 +17623,7 @@
             </a:r>
             <a:r>
               <a:rPr lang="fr-FR" sz="900" dirty="0"/>
-              <a:t>(index + </a:t>
-            </a:r>
-            <a:r>
-              <a:rPr lang="fr-FR" sz="900" dirty="0"/>
-              <a:t>1</a:t>
-            </a:r>
-            <a:r>
-              <a:rPr lang="fr-FR" sz="900" dirty="0"/>
-              <a:t>)[index];</a:t>
+              <a:t>(index + 1)[index];</a:t>
             </a:r>
             <a:br>
               <a:rPr lang="fr-FR" sz="900" dirty="0"/>
@@ -18073,15 +17906,7 @@
             </a:r>
             <a:r>
               <a:rPr lang="fr-FR" sz="900" dirty="0"/>
-              <a:t>i = </a:t>
-            </a:r>
-            <a:r>
-              <a:rPr lang="fr-FR" sz="900" dirty="0"/>
-              <a:t>0</a:t>
-            </a:r>
-            <a:r>
-              <a:rPr lang="fr-FR" sz="900" dirty="0"/>
-              <a:t>; i &lt; </a:t>
+              <a:t>i = 0; i &lt; </a:t>
             </a:r>
             <a:r>
               <a:rPr lang="fr-FR" sz="900" dirty="0" err="1"/>
@@ -18147,10 +17972,6 @@
             <a:r>
               <a:rPr lang="fr-FR" sz="900" dirty="0"/>
               <a:t>;</a:t>
-            </a:r>
-            <a:r>
-              <a:rPr lang="fr-FR" sz="900" dirty="0"/>
-              <a:t/>
             </a:r>
             <a:br>
               <a:rPr lang="fr-FR" sz="900" dirty="0"/>
@@ -18286,15 +18107,7 @@
             </a:pPr>
             <a:r>
               <a:rPr lang="en-US" altLang="fr-FR" dirty="0" smtClean="0"/>
-              <a:t>The </a:t>
-            </a:r>
-            <a:r>
-              <a:rPr lang="en-US" altLang="fr-FR" dirty="0" smtClean="0"/>
-              <a:t>third test</a:t>
-            </a:r>
-            <a:r>
-              <a:rPr lang="en-US" altLang="fr-FR" dirty="0" smtClean="0"/>
-              <a:t>.</a:t>
+              <a:t>The third test.</a:t>
             </a:r>
           </a:p>
         </p:txBody>
@@ -18847,15 +18660,7 @@
             </a:r>
             <a:r>
               <a:rPr lang="fr-FR" sz="900" dirty="0"/>
-              <a:t>(index + </a:t>
-            </a:r>
-            <a:r>
-              <a:rPr lang="fr-FR" sz="900" dirty="0"/>
-              <a:t>1</a:t>
-            </a:r>
-            <a:r>
-              <a:rPr lang="fr-FR" sz="900" dirty="0"/>
-              <a:t>)[index];</a:t>
+              <a:t>(index + 1)[index];</a:t>
             </a:r>
             <a:br>
               <a:rPr lang="fr-FR" sz="900" dirty="0"/>
@@ -19138,15 +18943,7 @@
             </a:r>
             <a:r>
               <a:rPr lang="fr-FR" sz="900" dirty="0"/>
-              <a:t>i = </a:t>
-            </a:r>
-            <a:r>
-              <a:rPr lang="fr-FR" sz="900" dirty="0"/>
-              <a:t>0</a:t>
-            </a:r>
-            <a:r>
-              <a:rPr lang="fr-FR" sz="900" dirty="0"/>
-              <a:t>; i &lt; </a:t>
+              <a:t>i = 0; i &lt; </a:t>
             </a:r>
             <a:r>
               <a:rPr lang="fr-FR" sz="900" dirty="0" err="1"/>
@@ -19212,10 +19009,6 @@
             <a:r>
               <a:rPr lang="fr-FR" sz="900" dirty="0"/>
               <a:t>;</a:t>
-            </a:r>
-            <a:r>
-              <a:rPr lang="fr-FR" sz="900" dirty="0"/>
-              <a:t/>
             </a:r>
             <a:br>
               <a:rPr lang="fr-FR" sz="900" dirty="0"/>
@@ -19420,15 +19213,7 @@
             </a:pPr>
             <a:r>
               <a:rPr lang="en-US" altLang="fr-FR" dirty="0" smtClean="0"/>
-              <a:t>The </a:t>
-            </a:r>
-            <a:r>
-              <a:rPr lang="en-US" altLang="fr-FR" dirty="0" smtClean="0"/>
-              <a:t>third test</a:t>
-            </a:r>
-            <a:r>
-              <a:rPr lang="en-US" altLang="fr-FR" dirty="0" smtClean="0"/>
-              <a:t>.</a:t>
+              <a:t>The third test.</a:t>
             </a:r>
           </a:p>
         </p:txBody>
@@ -19981,15 +19766,7 @@
             </a:r>
             <a:r>
               <a:rPr lang="fr-FR" sz="900" dirty="0"/>
-              <a:t>(index + </a:t>
-            </a:r>
-            <a:r>
-              <a:rPr lang="fr-FR" sz="900" dirty="0"/>
-              <a:t>1</a:t>
-            </a:r>
-            <a:r>
-              <a:rPr lang="fr-FR" sz="900" dirty="0"/>
-              <a:t>)[index];</a:t>
+              <a:t>(index + 1)[index];</a:t>
             </a:r>
             <a:br>
               <a:rPr lang="fr-FR" sz="900" dirty="0"/>
@@ -20272,15 +20049,7 @@
             </a:r>
             <a:r>
               <a:rPr lang="fr-FR" sz="900" dirty="0"/>
-              <a:t>i = </a:t>
-            </a:r>
-            <a:r>
-              <a:rPr lang="fr-FR" sz="900" dirty="0"/>
-              <a:t>0</a:t>
-            </a:r>
-            <a:r>
-              <a:rPr lang="fr-FR" sz="900" dirty="0"/>
-              <a:t>; i &lt; </a:t>
+              <a:t>i = 0; i &lt; </a:t>
             </a:r>
             <a:r>
               <a:rPr lang="fr-FR" sz="900" dirty="0" err="1"/>
@@ -20319,15 +20088,7 @@
             </a:r>
             <a:r>
               <a:rPr lang="mr-IN" sz="900" dirty="0"/>
-              <a:t> &lt; </a:t>
-            </a:r>
-            <a:r>
-              <a:rPr lang="mr-IN" sz="900" dirty="0"/>
-              <a:t>2</a:t>
-            </a:r>
-            <a:r>
-              <a:rPr lang="mr-IN" sz="900" dirty="0"/>
-              <a:t>) {</a:t>
+              <a:t> &lt; 2) {</a:t>
             </a:r>
             <a:br>
               <a:rPr lang="mr-IN" sz="900" dirty="0"/>
@@ -20412,15 +20173,7 @@
             </a:r>
             <a:r>
               <a:rPr lang="mr-IN" sz="900" dirty="0"/>
-              <a:t>] = </a:t>
-            </a:r>
-            <a:r>
-              <a:rPr lang="mr-IN" sz="900" dirty="0"/>
-              <a:t>1</a:t>
-            </a:r>
-            <a:r>
-              <a:rPr lang="mr-IN" sz="900" dirty="0"/>
-              <a:t>;</a:t>
+              <a:t>] = 1;</a:t>
             </a:r>
             <a:br>
               <a:rPr lang="mr-IN" sz="900" dirty="0"/>
@@ -20474,10 +20227,6 @@
             <a:r>
               <a:rPr lang="fr-FR" sz="900" dirty="0"/>
               <a:t>;</a:t>
-            </a:r>
-            <a:r>
-              <a:rPr lang="fr-FR" sz="900" dirty="0"/>
-              <a:t/>
             </a:r>
             <a:br>
               <a:rPr lang="fr-FR" sz="900" dirty="0"/>
@@ -20666,15 +20415,7 @@
             </a:pPr>
             <a:r>
               <a:rPr lang="en-US" altLang="fr-FR" dirty="0" smtClean="0"/>
-              <a:t>The </a:t>
-            </a:r>
-            <a:r>
-              <a:rPr lang="en-US" altLang="fr-FR" dirty="0" smtClean="0"/>
-              <a:t>fourth test</a:t>
-            </a:r>
-            <a:r>
-              <a:rPr lang="en-US" altLang="fr-FR" dirty="0" smtClean="0"/>
-              <a:t>.</a:t>
+              <a:t>The fourth test.</a:t>
             </a:r>
           </a:p>
         </p:txBody>
@@ -21290,15 +21031,7 @@
             </a:r>
             <a:r>
               <a:rPr lang="fr-FR" sz="900" dirty="0"/>
-              <a:t>(index + </a:t>
-            </a:r>
-            <a:r>
-              <a:rPr lang="fr-FR" sz="900" dirty="0"/>
-              <a:t>1</a:t>
-            </a:r>
-            <a:r>
-              <a:rPr lang="fr-FR" sz="900" dirty="0"/>
-              <a:t>)[index];</a:t>
+              <a:t>(index + 1)[index];</a:t>
             </a:r>
             <a:br>
               <a:rPr lang="fr-FR" sz="900" dirty="0"/>
@@ -21581,15 +21314,7 @@
             </a:r>
             <a:r>
               <a:rPr lang="fr-FR" sz="900" dirty="0"/>
-              <a:t>i = </a:t>
-            </a:r>
-            <a:r>
-              <a:rPr lang="fr-FR" sz="900" dirty="0"/>
-              <a:t>0</a:t>
-            </a:r>
-            <a:r>
-              <a:rPr lang="fr-FR" sz="900" dirty="0"/>
-              <a:t>; i &lt; </a:t>
+              <a:t>i = 0; i &lt; </a:t>
             </a:r>
             <a:r>
               <a:rPr lang="fr-FR" sz="900" dirty="0" err="1"/>
@@ -21628,15 +21353,7 @@
             </a:r>
             <a:r>
               <a:rPr lang="mr-IN" sz="900" dirty="0"/>
-              <a:t> &lt; </a:t>
-            </a:r>
-            <a:r>
-              <a:rPr lang="mr-IN" sz="900" dirty="0"/>
-              <a:t>2</a:t>
-            </a:r>
-            <a:r>
-              <a:rPr lang="mr-IN" sz="900" dirty="0"/>
-              <a:t>) {</a:t>
+              <a:t> &lt; 2) {</a:t>
             </a:r>
             <a:br>
               <a:rPr lang="mr-IN" sz="900" dirty="0"/>
@@ -21721,15 +21438,7 @@
             </a:r>
             <a:r>
               <a:rPr lang="mr-IN" sz="900" dirty="0"/>
-              <a:t>] = </a:t>
-            </a:r>
-            <a:r>
-              <a:rPr lang="mr-IN" sz="900" dirty="0"/>
-              <a:t>1</a:t>
-            </a:r>
-            <a:r>
-              <a:rPr lang="mr-IN" sz="900" dirty="0"/>
-              <a:t>;</a:t>
+              <a:t>] = 1;</a:t>
             </a:r>
             <a:br>
               <a:rPr lang="mr-IN" sz="900" dirty="0"/>
@@ -21783,10 +21492,6 @@
             <a:r>
               <a:rPr lang="fr-FR" sz="900" dirty="0"/>
               <a:t>;</a:t>
-            </a:r>
-            <a:r>
-              <a:rPr lang="fr-FR" sz="900" dirty="0"/>
-              <a:t/>
             </a:r>
             <a:br>
               <a:rPr lang="fr-FR" sz="900" dirty="0"/>
@@ -21922,15 +21627,7 @@
             </a:pPr>
             <a:r>
               <a:rPr lang="en-US" altLang="fr-FR" dirty="0" smtClean="0"/>
-              <a:t>The </a:t>
-            </a:r>
-            <a:r>
-              <a:rPr lang="en-US" altLang="fr-FR" dirty="0" smtClean="0"/>
-              <a:t>fourth test</a:t>
-            </a:r>
-            <a:r>
-              <a:rPr lang="en-US" altLang="fr-FR" dirty="0" smtClean="0"/>
-              <a:t>.</a:t>
+              <a:t>The fourth test.</a:t>
             </a:r>
           </a:p>
         </p:txBody>
@@ -22546,15 +22243,7 @@
             </a:r>
             <a:r>
               <a:rPr lang="fr-FR" sz="900" dirty="0"/>
-              <a:t>(index + </a:t>
-            </a:r>
-            <a:r>
-              <a:rPr lang="fr-FR" sz="900" dirty="0"/>
-              <a:t>1</a:t>
-            </a:r>
-            <a:r>
-              <a:rPr lang="fr-FR" sz="900" dirty="0"/>
-              <a:t>)[index];</a:t>
+              <a:t>(index + 1)[index];</a:t>
             </a:r>
             <a:br>
               <a:rPr lang="fr-FR" sz="900" dirty="0"/>
@@ -22837,15 +22526,7 @@
             </a:r>
             <a:r>
               <a:rPr lang="fr-FR" sz="900" dirty="0"/>
-              <a:t>i = </a:t>
-            </a:r>
-            <a:r>
-              <a:rPr lang="fr-FR" sz="900" dirty="0"/>
-              <a:t>0</a:t>
-            </a:r>
-            <a:r>
-              <a:rPr lang="fr-FR" sz="900" dirty="0"/>
-              <a:t>; i &lt; </a:t>
+              <a:t>i = 0; i &lt; </a:t>
             </a:r>
             <a:r>
               <a:rPr lang="fr-FR" sz="900" dirty="0" err="1"/>
@@ -22884,15 +22565,7 @@
             </a:r>
             <a:r>
               <a:rPr lang="mr-IN" sz="900" dirty="0"/>
-              <a:t> &lt; </a:t>
-            </a:r>
-            <a:r>
-              <a:rPr lang="mr-IN" sz="900" dirty="0"/>
-              <a:t>2</a:t>
-            </a:r>
-            <a:r>
-              <a:rPr lang="mr-IN" sz="900" dirty="0"/>
-              <a:t>) {</a:t>
+              <a:t> &lt; 2) {</a:t>
             </a:r>
             <a:br>
               <a:rPr lang="mr-IN" sz="900" dirty="0"/>
@@ -22977,15 +22650,7 @@
             </a:r>
             <a:r>
               <a:rPr lang="mr-IN" sz="900" dirty="0"/>
-              <a:t>] = </a:t>
-            </a:r>
-            <a:r>
-              <a:rPr lang="mr-IN" sz="900" dirty="0"/>
-              <a:t>1</a:t>
-            </a:r>
-            <a:r>
-              <a:rPr lang="mr-IN" sz="900" dirty="0"/>
-              <a:t>;</a:t>
+              <a:t>] = 1;</a:t>
             </a:r>
             <a:br>
               <a:rPr lang="mr-IN" sz="900" dirty="0"/>
@@ -23039,10 +22704,6 @@
             <a:r>
               <a:rPr lang="fr-FR" sz="900" dirty="0"/>
               <a:t>;</a:t>
-            </a:r>
-            <a:r>
-              <a:rPr lang="fr-FR" sz="900" dirty="0"/>
-              <a:t/>
             </a:r>
             <a:br>
               <a:rPr lang="fr-FR" sz="900" dirty="0"/>
@@ -23247,15 +22908,7 @@
             </a:pPr>
             <a:r>
               <a:rPr lang="en-US" altLang="fr-FR" dirty="0" smtClean="0"/>
-              <a:t>The </a:t>
-            </a:r>
-            <a:r>
-              <a:rPr lang="en-US" altLang="fr-FR" dirty="0" smtClean="0"/>
-              <a:t>fourth test</a:t>
-            </a:r>
-            <a:r>
-              <a:rPr lang="en-US" altLang="fr-FR" dirty="0" smtClean="0"/>
-              <a:t>.</a:t>
+              <a:t>The fourth test.</a:t>
             </a:r>
           </a:p>
         </p:txBody>
@@ -23474,11 +23127,7 @@
             </a:br>
             <a:r>
               <a:rPr lang="fr-FR" sz="900" dirty="0"/>
-              <a:t>    </a:t>
-            </a:r>
-            <a:r>
-              <a:rPr lang="fr-FR" sz="900" dirty="0"/>
-              <a:t>@</a:t>
+              <a:t>    @</a:t>
             </a:r>
             <a:r>
               <a:rPr lang="fr-FR" sz="900" dirty="0" err="1"/>
@@ -23887,15 +23536,7 @@
             </a:r>
             <a:r>
               <a:rPr lang="fr-FR" sz="900" dirty="0"/>
-              <a:t>(index + </a:t>
-            </a:r>
-            <a:r>
-              <a:rPr lang="fr-FR" sz="900" dirty="0"/>
-              <a:t>1</a:t>
-            </a:r>
-            <a:r>
-              <a:rPr lang="fr-FR" sz="900" dirty="0"/>
-              <a:t>)[index];</a:t>
+              <a:t>(index + 1)[index];</a:t>
             </a:r>
             <a:br>
               <a:rPr lang="fr-FR" sz="900" dirty="0"/>
@@ -24178,15 +23819,7 @@
             </a:r>
             <a:r>
               <a:rPr lang="fr-FR" sz="900" dirty="0"/>
-              <a:t>i = </a:t>
-            </a:r>
-            <a:r>
-              <a:rPr lang="fr-FR" sz="900" dirty="0"/>
-              <a:t>0</a:t>
-            </a:r>
-            <a:r>
-              <a:rPr lang="fr-FR" sz="900" dirty="0"/>
-              <a:t>; i &lt; </a:t>
+              <a:t>i = 0; i &lt; </a:t>
             </a:r>
             <a:r>
               <a:rPr lang="fr-FR" sz="900" dirty="0" err="1"/>
@@ -24225,15 +23858,7 @@
             </a:r>
             <a:r>
               <a:rPr lang="mr-IN" sz="900" dirty="0"/>
-              <a:t> &lt; </a:t>
-            </a:r>
-            <a:r>
-              <a:rPr lang="mr-IN" sz="900" dirty="0"/>
-              <a:t>2</a:t>
-            </a:r>
-            <a:r>
-              <a:rPr lang="mr-IN" sz="900" dirty="0"/>
-              <a:t>) {</a:t>
+              <a:t> &lt; 2) {</a:t>
             </a:r>
             <a:br>
               <a:rPr lang="mr-IN" sz="900" dirty="0"/>
@@ -24384,10 +24009,6 @@
             <a:r>
               <a:rPr lang="fr-FR" sz="900" dirty="0"/>
               <a:t>;</a:t>
-            </a:r>
-            <a:r>
-              <a:rPr lang="fr-FR" sz="900" dirty="0"/>
-              <a:t/>
             </a:r>
             <a:br>
               <a:rPr lang="fr-FR" sz="900" dirty="0"/>
@@ -24576,15 +24197,7 @@
             </a:pPr>
             <a:r>
               <a:rPr lang="en-US" altLang="fr-FR" dirty="0" smtClean="0"/>
-              <a:t>The </a:t>
-            </a:r>
-            <a:r>
-              <a:rPr lang="en-US" altLang="fr-FR" dirty="0" smtClean="0"/>
-              <a:t>fifth test</a:t>
-            </a:r>
-            <a:r>
-              <a:rPr lang="en-US" altLang="fr-FR" dirty="0" smtClean="0"/>
-              <a:t>.</a:t>
+              <a:t>The fifth test.</a:t>
             </a:r>
           </a:p>
         </p:txBody>
@@ -24803,11 +24416,7 @@
             </a:br>
             <a:r>
               <a:rPr lang="fr-FR" sz="900" dirty="0"/>
-              <a:t>    </a:t>
-            </a:r>
-            <a:r>
-              <a:rPr lang="fr-FR" sz="900" dirty="0"/>
-              <a:t>@</a:t>
+              <a:t>    @</a:t>
             </a:r>
             <a:r>
               <a:rPr lang="fr-FR" sz="900" dirty="0" err="1"/>
@@ -25280,15 +24889,7 @@
             </a:r>
             <a:r>
               <a:rPr lang="fr-FR" sz="900" dirty="0"/>
-              <a:t>(index + </a:t>
-            </a:r>
-            <a:r>
-              <a:rPr lang="fr-FR" sz="900" dirty="0"/>
-              <a:t>1</a:t>
-            </a:r>
-            <a:r>
-              <a:rPr lang="fr-FR" sz="900" dirty="0"/>
-              <a:t>)[index];</a:t>
+              <a:t>(index + 1)[index];</a:t>
             </a:r>
             <a:br>
               <a:rPr lang="fr-FR" sz="900" dirty="0"/>
@@ -25571,15 +25172,7 @@
             </a:r>
             <a:r>
               <a:rPr lang="fr-FR" sz="900" dirty="0"/>
-              <a:t>i = </a:t>
-            </a:r>
-            <a:r>
-              <a:rPr lang="fr-FR" sz="900" dirty="0"/>
-              <a:t>0</a:t>
-            </a:r>
-            <a:r>
-              <a:rPr lang="fr-FR" sz="900" dirty="0"/>
-              <a:t>; i &lt; </a:t>
+              <a:t>i = 0; i &lt; </a:t>
             </a:r>
             <a:r>
               <a:rPr lang="fr-FR" sz="900" dirty="0" err="1"/>
@@ -25618,15 +25211,7 @@
             </a:r>
             <a:r>
               <a:rPr lang="mr-IN" sz="900" dirty="0"/>
-              <a:t> &lt; </a:t>
-            </a:r>
-            <a:r>
-              <a:rPr lang="mr-IN" sz="900" dirty="0"/>
-              <a:t>2</a:t>
-            </a:r>
-            <a:r>
-              <a:rPr lang="mr-IN" sz="900" dirty="0"/>
-              <a:t>) {</a:t>
+              <a:t> &lt; 2) {</a:t>
             </a:r>
             <a:br>
               <a:rPr lang="mr-IN" sz="900" dirty="0"/>
@@ -25777,10 +25362,6 @@
             <a:r>
               <a:rPr lang="fr-FR" sz="900" dirty="0"/>
               <a:t>;</a:t>
-            </a:r>
-            <a:r>
-              <a:rPr lang="fr-FR" sz="900" dirty="0"/>
-              <a:t/>
             </a:r>
             <a:br>
               <a:rPr lang="fr-FR" sz="900" dirty="0"/>
@@ -25928,15 +25509,7 @@
             </a:pPr>
             <a:r>
               <a:rPr lang="en-US" altLang="fr-FR" dirty="0" smtClean="0"/>
-              <a:t>The </a:t>
-            </a:r>
-            <a:r>
-              <a:rPr lang="en-US" altLang="fr-FR" dirty="0" smtClean="0"/>
-              <a:t>fifth test</a:t>
-            </a:r>
-            <a:r>
-              <a:rPr lang="en-US" altLang="fr-FR" dirty="0" smtClean="0"/>
-              <a:t>.</a:t>
+              <a:t>The fifth test.</a:t>
             </a:r>
           </a:p>
         </p:txBody>
@@ -26196,15 +25769,7 @@
             </a:r>
             <a:r>
               <a:rPr lang="fr-FR" sz="900" dirty="0"/>
-              <a:t>i = </a:t>
-            </a:r>
-            <a:r>
-              <a:rPr lang="fr-FR" sz="900" dirty="0"/>
-              <a:t>0</a:t>
-            </a:r>
-            <a:r>
-              <a:rPr lang="fr-FR" sz="900" dirty="0"/>
-              <a:t>; i &lt; </a:t>
+              <a:t>i = 0; i &lt; </a:t>
             </a:r>
             <a:r>
               <a:rPr lang="fr-FR" sz="900" dirty="0" err="1"/>
@@ -26243,15 +25808,7 @@
             </a:r>
             <a:r>
               <a:rPr lang="mr-IN" sz="900" dirty="0"/>
-              <a:t> &lt; </a:t>
-            </a:r>
-            <a:r>
-              <a:rPr lang="mr-IN" sz="900" dirty="0"/>
-              <a:t>2</a:t>
-            </a:r>
-            <a:r>
-              <a:rPr lang="mr-IN" sz="900" dirty="0"/>
-              <a:t>) {</a:t>
+              <a:t> &lt; 2) {</a:t>
             </a:r>
             <a:br>
               <a:rPr lang="mr-IN" sz="900" dirty="0"/>
@@ -26402,10 +25959,6 @@
             <a:r>
               <a:rPr lang="fr-FR" sz="900" dirty="0"/>
               <a:t>;</a:t>
-            </a:r>
-            <a:r>
-              <a:rPr lang="fr-FR" sz="900" dirty="0"/>
-              <a:t/>
             </a:r>
             <a:br>
               <a:rPr lang="fr-FR" sz="900" dirty="0"/>
@@ -26774,11 +26327,7 @@
             </a:br>
             <a:r>
               <a:rPr lang="fr-FR" sz="900" dirty="0"/>
-              <a:t>    </a:t>
-            </a:r>
-            <a:r>
-              <a:rPr lang="fr-FR" sz="900" dirty="0"/>
-              <a:t>@</a:t>
+              <a:t>    @</a:t>
             </a:r>
             <a:r>
               <a:rPr lang="fr-FR" sz="900" dirty="0" err="1"/>
@@ -27251,15 +26800,7 @@
             </a:r>
             <a:r>
               <a:rPr lang="fr-FR" sz="900" dirty="0"/>
-              <a:t>(index + </a:t>
-            </a:r>
-            <a:r>
-              <a:rPr lang="fr-FR" sz="900" dirty="0"/>
-              <a:t>1</a:t>
-            </a:r>
-            <a:r>
-              <a:rPr lang="fr-FR" sz="900" dirty="0"/>
-              <a:t>)[index];</a:t>
+              <a:t>(index + 1)[index];</a:t>
             </a:r>
             <a:br>
               <a:rPr lang="fr-FR" sz="900" dirty="0"/>
@@ -27380,11 +26921,7 @@
             </a:r>
             <a:r>
               <a:rPr lang="en-US" altLang="fr-FR" dirty="0" smtClean="0"/>
-              <a:t>enerate(length</a:t>
-            </a:r>
-            <a:r>
-              <a:rPr lang="en-US" altLang="fr-FR" dirty="0" smtClean="0"/>
-              <a:t>: </a:t>
+              <a:t>enerate(length: </a:t>
             </a:r>
             <a:r>
               <a:rPr lang="en-US" altLang="fr-FR" dirty="0" err="1" smtClean="0"/>
@@ -27405,72 +26942,6 @@
           </a:p>
         </p:txBody>
       </p:sp>
-      <p:pic>
-        <p:nvPicPr>
-          <p:cNvPr id="7173" name="Picture 5"/>
-          <p:cNvPicPr>
-            <a:picLocks noChangeAspect="1" noChangeArrowheads="1"/>
-          </p:cNvPicPr>
-          <p:nvPr/>
-        </p:nvPicPr>
-        <p:blipFill>
-          <a:blip r:embed="rId3">
-            <a:extLst>
-              <a:ext uri="{28A0092B-C50C-407E-A947-70E740481C1C}">
-                <a14:useLocalDpi xmlns:a14="http://schemas.microsoft.com/office/drawing/2010/main" val="0"/>
-              </a:ext>
-            </a:extLst>
-          </a:blip>
-          <a:srcRect/>
-          <a:stretch>
-            <a:fillRect/>
-          </a:stretch>
-        </p:blipFill>
-        <p:spPr bwMode="auto">
-          <a:xfrm>
-            <a:off x="3657600" y="1295400"/>
-            <a:ext cx="1524000" cy="1231900"/>
-          </a:xfrm>
-          <a:prstGeom prst="rect">
-            <a:avLst/>
-          </a:prstGeom>
-          <a:noFill/>
-          <a:ln>
-            <a:noFill/>
-          </a:ln>
-          <a:effectLst/>
-          <a:extLst>
-            <a:ext uri="{909E8E84-426E-40DD-AFC4-6F175D3DCCD1}">
-              <a14:hiddenFill xmlns:a14="http://schemas.microsoft.com/office/drawing/2010/main">
-                <a:solidFill>
-                  <a:schemeClr val="accent1"/>
-                </a:solidFill>
-              </a14:hiddenFill>
-            </a:ext>
-            <a:ext uri="{91240B29-F687-4F45-9708-019B960494DF}">
-              <a14:hiddenLine xmlns:a14="http://schemas.microsoft.com/office/drawing/2010/main" w="9525">
-                <a:solidFill>
-                  <a:schemeClr val="tx1"/>
-                </a:solidFill>
-                <a:miter lim="800000"/>
-                <a:headEnd/>
-                <a:tailEnd/>
-              </a14:hiddenLine>
-            </a:ext>
-            <a:ext uri="{AF507438-7753-43E0-B8FC-AC1667EBCBE1}">
-              <a14:hiddenEffects xmlns:a14="http://schemas.microsoft.com/office/drawing/2010/main">
-                <a:effectLst>
-                  <a:outerShdw blurRad="63500" dist="38099" dir="2700000" algn="ctr" rotWithShape="0">
-                    <a:schemeClr val="bg2">
-                      <a:alpha val="74997"/>
-                    </a:schemeClr>
-                  </a:outerShdw>
-                </a:effectLst>
-              </a14:hiddenEffects>
-            </a:ext>
-          </a:extLst>
-        </p:spPr>
-      </p:pic>
     </p:spTree>
   </p:cSld>
   <p:clrMapOvr>
@@ -27516,15 +26987,7 @@
             </a:pPr>
             <a:r>
               <a:rPr lang="en-US" altLang="fr-FR" dirty="0" smtClean="0"/>
-              <a:t>The </a:t>
-            </a:r>
-            <a:r>
-              <a:rPr lang="en-US" altLang="fr-FR" dirty="0" smtClean="0"/>
-              <a:t>fifth test</a:t>
-            </a:r>
-            <a:r>
-              <a:rPr lang="en-US" altLang="fr-FR" dirty="0" smtClean="0"/>
-              <a:t>.</a:t>
+              <a:t>The fifth test.</a:t>
             </a:r>
           </a:p>
         </p:txBody>
@@ -27784,15 +27247,7 @@
             </a:r>
             <a:r>
               <a:rPr lang="fr-FR" sz="900" dirty="0"/>
-              <a:t>i = </a:t>
-            </a:r>
-            <a:r>
-              <a:rPr lang="fr-FR" sz="900" dirty="0"/>
-              <a:t>0</a:t>
-            </a:r>
-            <a:r>
-              <a:rPr lang="fr-FR" sz="900" dirty="0"/>
-              <a:t>; i &lt; </a:t>
+              <a:t>i = 0; i &lt; </a:t>
             </a:r>
             <a:r>
               <a:rPr lang="fr-FR" sz="900" dirty="0" err="1"/>
@@ -27831,15 +27286,7 @@
             </a:r>
             <a:r>
               <a:rPr lang="mr-IN" sz="900" dirty="0"/>
-              <a:t> &lt; </a:t>
-            </a:r>
-            <a:r>
-              <a:rPr lang="mr-IN" sz="900" dirty="0"/>
-              <a:t>2</a:t>
-            </a:r>
-            <a:r>
-              <a:rPr lang="mr-IN" sz="900" dirty="0"/>
-              <a:t>) {</a:t>
+              <a:t> &lt; 2) {</a:t>
             </a:r>
             <a:br>
               <a:rPr lang="mr-IN" sz="900" dirty="0"/>
@@ -27932,15 +27379,7 @@
             </a:r>
             <a:r>
               <a:rPr lang="fr-FR" sz="900" dirty="0"/>
-              <a:t>[i - </a:t>
-            </a:r>
-            <a:r>
-              <a:rPr lang="fr-FR" sz="900" dirty="0"/>
-              <a:t>1</a:t>
-            </a:r>
-            <a:r>
-              <a:rPr lang="fr-FR" sz="900" dirty="0"/>
-              <a:t>] + </a:t>
+              <a:t>[i - 1] + </a:t>
             </a:r>
             <a:r>
               <a:rPr lang="fr-FR" sz="900" dirty="0" err="1"/>
@@ -27948,15 +27387,7 @@
             </a:r>
             <a:r>
               <a:rPr lang="fr-FR" sz="900" dirty="0"/>
-              <a:t>[i - </a:t>
-            </a:r>
-            <a:r>
-              <a:rPr lang="fr-FR" sz="900" dirty="0"/>
-              <a:t>2</a:t>
-            </a:r>
-            <a:r>
-              <a:rPr lang="fr-FR" sz="900" dirty="0"/>
-              <a:t>]</a:t>
+              <a:t>[i - 2]</a:t>
             </a:r>
             <a:r>
               <a:rPr lang="mr-IN" sz="900" dirty="0" smtClean="0"/>
@@ -28018,10 +27449,6 @@
             <a:r>
               <a:rPr lang="fr-FR" sz="900" dirty="0"/>
               <a:t>;</a:t>
-            </a:r>
-            <a:r>
-              <a:rPr lang="fr-FR" sz="900" dirty="0"/>
-              <a:t/>
             </a:r>
             <a:br>
               <a:rPr lang="fr-FR" sz="900" dirty="0"/>
@@ -28321,11 +27748,7 @@
             </a:br>
             <a:r>
               <a:rPr lang="fr-FR" sz="900" dirty="0"/>
-              <a:t>    </a:t>
-            </a:r>
-            <a:r>
-              <a:rPr lang="fr-FR" sz="900" dirty="0"/>
-              <a:t>@</a:t>
+              <a:t>    @</a:t>
             </a:r>
             <a:r>
               <a:rPr lang="fr-FR" sz="900" dirty="0" err="1"/>
@@ -28798,15 +28221,7 @@
             </a:r>
             <a:r>
               <a:rPr lang="fr-FR" sz="900" dirty="0"/>
-              <a:t>(index + </a:t>
-            </a:r>
-            <a:r>
-              <a:rPr lang="fr-FR" sz="900" dirty="0"/>
-              <a:t>1</a:t>
-            </a:r>
-            <a:r>
-              <a:rPr lang="fr-FR" sz="900" dirty="0"/>
-              <a:t>)[index];</a:t>
+              <a:t>(index + 1)[index];</a:t>
             </a:r>
             <a:br>
               <a:rPr lang="fr-FR" sz="900" dirty="0"/>
@@ -28937,19 +28352,7 @@
             </a:pPr>
             <a:r>
               <a:rPr lang="en-US" altLang="fr-FR" dirty="0" smtClean="0"/>
-              <a:t>The </a:t>
-            </a:r>
-            <a:r>
-              <a:rPr lang="en-US" altLang="fr-FR" dirty="0" smtClean="0"/>
-              <a:t>last</a:t>
-            </a:r>
-            <a:r>
-              <a:rPr lang="en-US" altLang="fr-FR" dirty="0" smtClean="0"/>
-              <a:t> test</a:t>
-            </a:r>
-            <a:r>
-              <a:rPr lang="en-US" altLang="fr-FR" dirty="0" smtClean="0"/>
-              <a:t>.</a:t>
+              <a:t>The last test.</a:t>
             </a:r>
           </a:p>
         </p:txBody>
@@ -29209,15 +28612,7 @@
             </a:r>
             <a:r>
               <a:rPr lang="fr-FR" sz="900" dirty="0"/>
-              <a:t>i = </a:t>
-            </a:r>
-            <a:r>
-              <a:rPr lang="fr-FR" sz="900" dirty="0"/>
-              <a:t>0</a:t>
-            </a:r>
-            <a:r>
-              <a:rPr lang="fr-FR" sz="900" dirty="0"/>
-              <a:t>; i &lt; </a:t>
+              <a:t>i = 0; i &lt; </a:t>
             </a:r>
             <a:r>
               <a:rPr lang="fr-FR" sz="900" dirty="0" err="1"/>
@@ -29256,15 +28651,7 @@
             </a:r>
             <a:r>
               <a:rPr lang="mr-IN" sz="900" dirty="0"/>
-              <a:t> &lt; </a:t>
-            </a:r>
-            <a:r>
-              <a:rPr lang="mr-IN" sz="900" dirty="0"/>
-              <a:t>2</a:t>
-            </a:r>
-            <a:r>
-              <a:rPr lang="mr-IN" sz="900" dirty="0"/>
-              <a:t>) {</a:t>
+              <a:t> &lt; 2) {</a:t>
             </a:r>
             <a:br>
               <a:rPr lang="mr-IN" sz="900" dirty="0"/>
@@ -29357,15 +28744,7 @@
             </a:r>
             <a:r>
               <a:rPr lang="fr-FR" sz="900" dirty="0"/>
-              <a:t>[i - </a:t>
-            </a:r>
-            <a:r>
-              <a:rPr lang="fr-FR" sz="900" dirty="0"/>
-              <a:t>1</a:t>
-            </a:r>
-            <a:r>
-              <a:rPr lang="fr-FR" sz="900" dirty="0"/>
-              <a:t>] + </a:t>
+              <a:t>[i - 1] + </a:t>
             </a:r>
             <a:r>
               <a:rPr lang="fr-FR" sz="900" dirty="0" err="1"/>
@@ -29373,15 +28752,7 @@
             </a:r>
             <a:r>
               <a:rPr lang="fr-FR" sz="900" dirty="0"/>
-              <a:t>[i - </a:t>
-            </a:r>
-            <a:r>
-              <a:rPr lang="fr-FR" sz="900" dirty="0"/>
-              <a:t>2</a:t>
-            </a:r>
-            <a:r>
-              <a:rPr lang="fr-FR" sz="900" dirty="0"/>
-              <a:t>]</a:t>
+              <a:t>[i - 2]</a:t>
             </a:r>
             <a:r>
               <a:rPr lang="mr-IN" sz="900" dirty="0" smtClean="0"/>
@@ -29443,10 +28814,6 @@
             <a:r>
               <a:rPr lang="fr-FR" sz="900" dirty="0"/>
               <a:t>;</a:t>
-            </a:r>
-            <a:r>
-              <a:rPr lang="fr-FR" sz="900" dirty="0"/>
-              <a:t/>
             </a:r>
             <a:br>
               <a:rPr lang="fr-FR" sz="900" dirty="0"/>
@@ -29746,11 +29113,7 @@
             </a:br>
             <a:r>
               <a:rPr lang="fr-FR" sz="900" dirty="0"/>
-              <a:t>    </a:t>
-            </a:r>
-            <a:r>
-              <a:rPr lang="fr-FR" sz="900" dirty="0"/>
-              <a:t>@</a:t>
+              <a:t>    @</a:t>
             </a:r>
             <a:r>
               <a:rPr lang="fr-FR" sz="900" dirty="0" err="1"/>
@@ -30287,15 +29650,7 @@
             </a:r>
             <a:r>
               <a:rPr lang="fr-FR" sz="900" dirty="0"/>
-              <a:t>(index + </a:t>
-            </a:r>
-            <a:r>
-              <a:rPr lang="fr-FR" sz="900" dirty="0"/>
-              <a:t>1</a:t>
-            </a:r>
-            <a:r>
-              <a:rPr lang="fr-FR" sz="900" dirty="0"/>
-              <a:t>)[index];</a:t>
+              <a:t>(index + 1)[index];</a:t>
             </a:r>
             <a:br>
               <a:rPr lang="fr-FR" sz="900" dirty="0"/>
@@ -30373,19 +29728,7 @@
             </a:pPr>
             <a:r>
               <a:rPr lang="en-US" altLang="fr-FR" dirty="0" smtClean="0"/>
-              <a:t>The </a:t>
-            </a:r>
-            <a:r>
-              <a:rPr lang="en-US" altLang="fr-FR" dirty="0" smtClean="0"/>
-              <a:t>last</a:t>
-            </a:r>
-            <a:r>
-              <a:rPr lang="en-US" altLang="fr-FR" dirty="0" smtClean="0"/>
-              <a:t> test</a:t>
-            </a:r>
-            <a:r>
-              <a:rPr lang="en-US" altLang="fr-FR" dirty="0" smtClean="0"/>
-              <a:t>.</a:t>
+              <a:t>The last test.</a:t>
             </a:r>
           </a:p>
         </p:txBody>
@@ -30645,15 +29988,7 @@
             </a:r>
             <a:r>
               <a:rPr lang="fr-FR" sz="900" dirty="0"/>
-              <a:t>i = </a:t>
-            </a:r>
-            <a:r>
-              <a:rPr lang="fr-FR" sz="900" dirty="0"/>
-              <a:t>0</a:t>
-            </a:r>
-            <a:r>
-              <a:rPr lang="fr-FR" sz="900" dirty="0"/>
-              <a:t>; i &lt; </a:t>
+              <a:t>i = 0; i &lt; </a:t>
             </a:r>
             <a:r>
               <a:rPr lang="fr-FR" sz="900" dirty="0" err="1"/>
@@ -30692,15 +30027,7 @@
             </a:r>
             <a:r>
               <a:rPr lang="mr-IN" sz="900" dirty="0"/>
-              <a:t> &lt; </a:t>
-            </a:r>
-            <a:r>
-              <a:rPr lang="mr-IN" sz="900" dirty="0"/>
-              <a:t>2</a:t>
-            </a:r>
-            <a:r>
-              <a:rPr lang="mr-IN" sz="900" dirty="0"/>
-              <a:t>) {</a:t>
+              <a:t> &lt; 2) {</a:t>
             </a:r>
             <a:br>
               <a:rPr lang="mr-IN" sz="900" dirty="0"/>
@@ -30793,15 +30120,7 @@
             </a:r>
             <a:r>
               <a:rPr lang="fr-FR" sz="900" dirty="0"/>
-              <a:t>[i - </a:t>
-            </a:r>
-            <a:r>
-              <a:rPr lang="fr-FR" sz="900" dirty="0"/>
-              <a:t>1</a:t>
-            </a:r>
-            <a:r>
-              <a:rPr lang="fr-FR" sz="900" dirty="0"/>
-              <a:t>] + </a:t>
+              <a:t>[i - 1] + </a:t>
             </a:r>
             <a:r>
               <a:rPr lang="fr-FR" sz="900" dirty="0" err="1"/>
@@ -30809,15 +30128,7 @@
             </a:r>
             <a:r>
               <a:rPr lang="fr-FR" sz="900" dirty="0"/>
-              <a:t>[i - </a:t>
-            </a:r>
-            <a:r>
-              <a:rPr lang="fr-FR" sz="900" dirty="0"/>
-              <a:t>2</a:t>
-            </a:r>
-            <a:r>
-              <a:rPr lang="fr-FR" sz="900" dirty="0"/>
-              <a:t>]</a:t>
+              <a:t>[i - 2]</a:t>
             </a:r>
             <a:r>
               <a:rPr lang="mr-IN" sz="900" dirty="0" smtClean="0"/>
@@ -30879,10 +30190,6 @@
             <a:r>
               <a:rPr lang="fr-FR" sz="900" dirty="0"/>
               <a:t>;</a:t>
-            </a:r>
-            <a:r>
-              <a:rPr lang="fr-FR" sz="900" dirty="0"/>
-              <a:t/>
             </a:r>
             <a:br>
               <a:rPr lang="fr-FR" sz="900" dirty="0"/>
@@ -31182,11 +30489,7 @@
             </a:br>
             <a:r>
               <a:rPr lang="fr-FR" sz="900" dirty="0"/>
-              <a:t>    </a:t>
-            </a:r>
-            <a:r>
-              <a:rPr lang="fr-FR" sz="900" dirty="0"/>
-              <a:t>@</a:t>
+              <a:t>    @</a:t>
             </a:r>
             <a:r>
               <a:rPr lang="fr-FR" sz="900" dirty="0" err="1"/>
@@ -31723,15 +31026,7 @@
             </a:r>
             <a:r>
               <a:rPr lang="fr-FR" sz="900" dirty="0"/>
-              <a:t>(index + </a:t>
-            </a:r>
-            <a:r>
-              <a:rPr lang="fr-FR" sz="900" dirty="0"/>
-              <a:t>1</a:t>
-            </a:r>
-            <a:r>
-              <a:rPr lang="fr-FR" sz="900" dirty="0"/>
-              <a:t>)[index];</a:t>
+              <a:t>(index + 1)[index];</a:t>
             </a:r>
             <a:br>
               <a:rPr lang="fr-FR" sz="900" dirty="0"/>
@@ -31862,19 +31157,7 @@
             </a:pPr>
             <a:r>
               <a:rPr lang="en-US" altLang="fr-FR" dirty="0" smtClean="0"/>
-              <a:t>The </a:t>
-            </a:r>
-            <a:r>
-              <a:rPr lang="en-US" altLang="fr-FR" dirty="0" smtClean="0"/>
-              <a:t>last</a:t>
-            </a:r>
-            <a:r>
-              <a:rPr lang="en-US" altLang="fr-FR" dirty="0" smtClean="0"/>
-              <a:t> test</a:t>
-            </a:r>
-            <a:r>
-              <a:rPr lang="en-US" altLang="fr-FR" dirty="0" smtClean="0"/>
-              <a:t>.</a:t>
+              <a:t>The last test.</a:t>
             </a:r>
           </a:p>
         </p:txBody>
@@ -32256,14 +31539,28 @@
                 <a:ea typeface="Courier New" charset="0"/>
                 <a:cs typeface="Courier New" charset="0"/>
               </a:rPr>
-              <a:t> = </a:t>
+              <a:t> = 0; </a:t>
+            </a:r>
+            <a:r>
+              <a:rPr lang="mr-IN" sz="900" dirty="0" err="1">
+                <a:ea typeface="Courier New" charset="0"/>
+                <a:cs typeface="Courier New" charset="0"/>
+              </a:rPr>
+              <a:t>i</a:t>
             </a:r>
             <a:r>
               <a:rPr lang="mr-IN" sz="900" dirty="0">
                 <a:ea typeface="Courier New" charset="0"/>
                 <a:cs typeface="Courier New" charset="0"/>
               </a:rPr>
-              <a:t>0</a:t>
+              <a:t> &lt; </a:t>
+            </a:r>
+            <a:r>
+              <a:rPr lang="mr-IN" sz="900" dirty="0" err="1">
+                <a:ea typeface="Courier New" charset="0"/>
+                <a:cs typeface="Courier New" charset="0"/>
+              </a:rPr>
+              <a:t>length</a:t>
             </a:r>
             <a:r>
               <a:rPr lang="mr-IN" sz="900" dirty="0">
@@ -32284,21 +31581,41 @@
                 <a:ea typeface="Courier New" charset="0"/>
                 <a:cs typeface="Courier New" charset="0"/>
               </a:rPr>
-              <a:t> &lt; </a:t>
-            </a:r>
-            <a:r>
-              <a:rPr lang="mr-IN" sz="900" dirty="0" err="1">
-                <a:ea typeface="Courier New" charset="0"/>
-                <a:cs typeface="Courier New" charset="0"/>
-              </a:rPr>
-              <a:t>length</a:t>
-            </a:r>
-            <a:r>
+              <a:t>++) {</a:t>
+            </a:r>
+            <a:br>
               <a:rPr lang="mr-IN" sz="900" dirty="0">
                 <a:ea typeface="Courier New" charset="0"/>
                 <a:cs typeface="Courier New" charset="0"/>
               </a:rPr>
-              <a:t>; </a:t>
+            </a:br>
+            <a:r>
+              <a:rPr lang="mr-IN" sz="900" dirty="0">
+                <a:ea typeface="Courier New" charset="0"/>
+                <a:cs typeface="Courier New" charset="0"/>
+              </a:rPr>
+              <a:t>            </a:t>
+            </a:r>
+            <a:r>
+              <a:rPr lang="mr-IN" sz="900" b="1" dirty="0" err="1">
+                <a:ea typeface="Courier New" charset="0"/>
+                <a:cs typeface="Courier New" charset="0"/>
+              </a:rPr>
+              <a:t>if</a:t>
+            </a:r>
+            <a:r>
+              <a:rPr lang="mr-IN" sz="900" b="1" dirty="0">
+                <a:ea typeface="Courier New" charset="0"/>
+                <a:cs typeface="Courier New" charset="0"/>
+              </a:rPr>
+              <a:t> </a:t>
+            </a:r>
+            <a:r>
+              <a:rPr lang="mr-IN" sz="900" dirty="0">
+                <a:ea typeface="Courier New" charset="0"/>
+                <a:cs typeface="Courier New" charset="0"/>
+              </a:rPr>
+              <a:t>(</a:t>
             </a:r>
             <a:r>
               <a:rPr lang="mr-IN" sz="900" dirty="0" err="1">
@@ -32312,7 +31629,7 @@
                 <a:ea typeface="Courier New" charset="0"/>
                 <a:cs typeface="Courier New" charset="0"/>
               </a:rPr>
-              <a:t>++) {</a:t>
+              <a:t> &lt; 2) {</a:t>
             </a:r>
             <a:br>
               <a:rPr lang="mr-IN" sz="900" dirty="0">
@@ -32325,14 +31642,69 @@
                 <a:ea typeface="Courier New" charset="0"/>
                 <a:cs typeface="Courier New" charset="0"/>
               </a:rPr>
-              <a:t>            </a:t>
+              <a:t>                </a:t>
+            </a:r>
+            <a:r>
+              <a:rPr lang="mr-IN" sz="900" dirty="0" err="1">
+                <a:ea typeface="Courier New" charset="0"/>
+                <a:cs typeface="Courier New" charset="0"/>
+              </a:rPr>
+              <a:t>sequence</a:t>
+            </a:r>
+            <a:r>
+              <a:rPr lang="mr-IN" sz="900" dirty="0">
+                <a:ea typeface="Courier New" charset="0"/>
+                <a:cs typeface="Courier New" charset="0"/>
+              </a:rPr>
+              <a:t>[</a:t>
+            </a:r>
+            <a:r>
+              <a:rPr lang="mr-IN" sz="900" dirty="0" err="1">
+                <a:ea typeface="Courier New" charset="0"/>
+                <a:cs typeface="Courier New" charset="0"/>
+              </a:rPr>
+              <a:t>i</a:t>
+            </a:r>
+            <a:r>
+              <a:rPr lang="mr-IN" sz="900" dirty="0">
+                <a:ea typeface="Courier New" charset="0"/>
+                <a:cs typeface="Courier New" charset="0"/>
+              </a:rPr>
+              <a:t>] = </a:t>
+            </a:r>
+            <a:r>
+              <a:rPr lang="mr-IN" sz="900" dirty="0" err="1">
+                <a:ea typeface="Courier New" charset="0"/>
+                <a:cs typeface="Courier New" charset="0"/>
+              </a:rPr>
+              <a:t>i</a:t>
+            </a:r>
+            <a:r>
+              <a:rPr lang="mr-IN" sz="900" dirty="0">
+                <a:ea typeface="Courier New" charset="0"/>
+                <a:cs typeface="Courier New" charset="0"/>
+              </a:rPr>
+              <a:t>;</a:t>
+            </a:r>
+            <a:br>
+              <a:rPr lang="mr-IN" sz="900" dirty="0">
+                <a:ea typeface="Courier New" charset="0"/>
+                <a:cs typeface="Courier New" charset="0"/>
+              </a:rPr>
+            </a:br>
+            <a:r>
+              <a:rPr lang="mr-IN" sz="900" dirty="0">
+                <a:ea typeface="Courier New" charset="0"/>
+                <a:cs typeface="Courier New" charset="0"/>
+              </a:rPr>
+              <a:t>            } </a:t>
             </a:r>
             <a:r>
               <a:rPr lang="mr-IN" sz="900" b="1" dirty="0" err="1">
                 <a:ea typeface="Courier New" charset="0"/>
                 <a:cs typeface="Courier New" charset="0"/>
               </a:rPr>
-              <a:t>if</a:t>
+              <a:t>else</a:t>
             </a:r>
             <a:r>
               <a:rPr lang="mr-IN" sz="900" b="1" dirty="0">
@@ -32346,7 +31718,34 @@
                 <a:ea typeface="Courier New" charset="0"/>
                 <a:cs typeface="Courier New" charset="0"/>
               </a:rPr>
-              <a:t>(</a:t>
+              <a:t>{</a:t>
+            </a:r>
+            <a:br>
+              <a:rPr lang="mr-IN" sz="900" dirty="0">
+                <a:ea typeface="Courier New" charset="0"/>
+                <a:cs typeface="Courier New" charset="0"/>
+              </a:rPr>
+            </a:br>
+            <a:r>
+              <a:rPr lang="mr-IN" sz="900" dirty="0">
+                <a:ea typeface="Courier New" charset="0"/>
+                <a:cs typeface="Courier New" charset="0"/>
+              </a:rPr>
+              <a:t>                </a:t>
+            </a:r>
+            <a:r>
+              <a:rPr lang="mr-IN" sz="900" dirty="0" err="1">
+                <a:ea typeface="Courier New" charset="0"/>
+                <a:cs typeface="Courier New" charset="0"/>
+              </a:rPr>
+              <a:t>sequence</a:t>
+            </a:r>
+            <a:r>
+              <a:rPr lang="mr-IN" sz="900" dirty="0">
+                <a:ea typeface="Courier New" charset="0"/>
+                <a:cs typeface="Courier New" charset="0"/>
+              </a:rPr>
+              <a:t>[</a:t>
             </a:r>
             <a:r>
               <a:rPr lang="mr-IN" sz="900" dirty="0" err="1">
@@ -32360,34 +31759,7 @@
                 <a:ea typeface="Courier New" charset="0"/>
                 <a:cs typeface="Courier New" charset="0"/>
               </a:rPr>
-              <a:t> &lt; </a:t>
-            </a:r>
-            <a:r>
-              <a:rPr lang="mr-IN" sz="900" dirty="0">
-                <a:ea typeface="Courier New" charset="0"/>
-                <a:cs typeface="Courier New" charset="0"/>
-              </a:rPr>
-              <a:t>2</a:t>
-            </a:r>
-            <a:r>
-              <a:rPr lang="mr-IN" sz="900" dirty="0">
-                <a:ea typeface="Courier New" charset="0"/>
-                <a:cs typeface="Courier New" charset="0"/>
-              </a:rPr>
-              <a:t>) {</a:t>
-            </a:r>
-            <a:br>
-              <a:rPr lang="mr-IN" sz="900" dirty="0">
-                <a:ea typeface="Courier New" charset="0"/>
-                <a:cs typeface="Courier New" charset="0"/>
-              </a:rPr>
-            </a:br>
-            <a:r>
-              <a:rPr lang="mr-IN" sz="900" dirty="0">
-                <a:ea typeface="Courier New" charset="0"/>
-                <a:cs typeface="Courier New" charset="0"/>
-              </a:rPr>
-              <a:t>                </a:t>
+              <a:t>] = </a:t>
             </a:r>
             <a:r>
               <a:rPr lang="mr-IN" sz="900" dirty="0" err="1">
@@ -32415,131 +31787,7 @@
                 <a:ea typeface="Courier New" charset="0"/>
                 <a:cs typeface="Courier New" charset="0"/>
               </a:rPr>
-              <a:t>] = </a:t>
-            </a:r>
-            <a:r>
-              <a:rPr lang="mr-IN" sz="900" dirty="0" err="1">
-                <a:ea typeface="Courier New" charset="0"/>
-                <a:cs typeface="Courier New" charset="0"/>
-              </a:rPr>
-              <a:t>i</a:t>
-            </a:r>
-            <a:r>
-              <a:rPr lang="mr-IN" sz="900" dirty="0">
-                <a:ea typeface="Courier New" charset="0"/>
-                <a:cs typeface="Courier New" charset="0"/>
-              </a:rPr>
-              <a:t>;</a:t>
-            </a:r>
-            <a:br>
-              <a:rPr lang="mr-IN" sz="900" dirty="0">
-                <a:ea typeface="Courier New" charset="0"/>
-                <a:cs typeface="Courier New" charset="0"/>
-              </a:rPr>
-            </a:br>
-            <a:r>
-              <a:rPr lang="mr-IN" sz="900" dirty="0">
-                <a:ea typeface="Courier New" charset="0"/>
-                <a:cs typeface="Courier New" charset="0"/>
-              </a:rPr>
-              <a:t>            } </a:t>
-            </a:r>
-            <a:r>
-              <a:rPr lang="mr-IN" sz="900" b="1" dirty="0" err="1">
-                <a:ea typeface="Courier New" charset="0"/>
-                <a:cs typeface="Courier New" charset="0"/>
-              </a:rPr>
-              <a:t>else</a:t>
-            </a:r>
-            <a:r>
-              <a:rPr lang="mr-IN" sz="900" b="1" dirty="0">
-                <a:ea typeface="Courier New" charset="0"/>
-                <a:cs typeface="Courier New" charset="0"/>
-              </a:rPr>
-              <a:t> </a:t>
-            </a:r>
-            <a:r>
-              <a:rPr lang="mr-IN" sz="900" dirty="0">
-                <a:ea typeface="Courier New" charset="0"/>
-                <a:cs typeface="Courier New" charset="0"/>
-              </a:rPr>
-              <a:t>{</a:t>
-            </a:r>
-            <a:br>
-              <a:rPr lang="mr-IN" sz="900" dirty="0">
-                <a:ea typeface="Courier New" charset="0"/>
-                <a:cs typeface="Courier New" charset="0"/>
-              </a:rPr>
-            </a:br>
-            <a:r>
-              <a:rPr lang="mr-IN" sz="900" dirty="0">
-                <a:ea typeface="Courier New" charset="0"/>
-                <a:cs typeface="Courier New" charset="0"/>
-              </a:rPr>
-              <a:t>                </a:t>
-            </a:r>
-            <a:r>
-              <a:rPr lang="mr-IN" sz="900" dirty="0" err="1">
-                <a:ea typeface="Courier New" charset="0"/>
-                <a:cs typeface="Courier New" charset="0"/>
-              </a:rPr>
-              <a:t>sequence</a:t>
-            </a:r>
-            <a:r>
-              <a:rPr lang="mr-IN" sz="900" dirty="0">
-                <a:ea typeface="Courier New" charset="0"/>
-                <a:cs typeface="Courier New" charset="0"/>
-              </a:rPr>
-              <a:t>[</a:t>
-            </a:r>
-            <a:r>
-              <a:rPr lang="mr-IN" sz="900" dirty="0" err="1">
-                <a:ea typeface="Courier New" charset="0"/>
-                <a:cs typeface="Courier New" charset="0"/>
-              </a:rPr>
-              <a:t>i</a:t>
-            </a:r>
-            <a:r>
-              <a:rPr lang="mr-IN" sz="900" dirty="0">
-                <a:ea typeface="Courier New" charset="0"/>
-                <a:cs typeface="Courier New" charset="0"/>
-              </a:rPr>
-              <a:t>] = </a:t>
-            </a:r>
-            <a:r>
-              <a:rPr lang="mr-IN" sz="900" dirty="0" err="1">
-                <a:ea typeface="Courier New" charset="0"/>
-                <a:cs typeface="Courier New" charset="0"/>
-              </a:rPr>
-              <a:t>sequence</a:t>
-            </a:r>
-            <a:r>
-              <a:rPr lang="mr-IN" sz="900" dirty="0">
-                <a:ea typeface="Courier New" charset="0"/>
-                <a:cs typeface="Courier New" charset="0"/>
-              </a:rPr>
-              <a:t>[</a:t>
-            </a:r>
-            <a:r>
-              <a:rPr lang="mr-IN" sz="900" dirty="0" err="1">
-                <a:ea typeface="Courier New" charset="0"/>
-                <a:cs typeface="Courier New" charset="0"/>
-              </a:rPr>
-              <a:t>i</a:t>
-            </a:r>
-            <a:r>
-              <a:rPr lang="mr-IN" sz="900" dirty="0">
-                <a:ea typeface="Courier New" charset="0"/>
-                <a:cs typeface="Courier New" charset="0"/>
-              </a:rPr>
-              <a:t> - </a:t>
-            </a:r>
-            <a:r>
-              <a:rPr lang="mr-IN" sz="900" dirty="0">
-                <a:ea typeface="Courier New" charset="0"/>
-                <a:cs typeface="Courier New" charset="0"/>
-              </a:rPr>
-              <a:t>1</a:t>
+              <a:t> - 1</a:t>
             </a:r>
             <a:r>
               <a:rPr lang="mr-IN" sz="900" dirty="0" smtClean="0">
@@ -32618,21 +31866,7 @@
                 <a:ea typeface="Courier New" charset="0"/>
                 <a:cs typeface="Courier New" charset="0"/>
               </a:rPr>
-              <a:t>- </a:t>
-            </a:r>
-            <a:r>
-              <a:rPr lang="mr-IN" sz="900" dirty="0">
-                <a:ea typeface="Courier New" charset="0"/>
-                <a:cs typeface="Courier New" charset="0"/>
-              </a:rPr>
-              <a:t>2</a:t>
-            </a:r>
-            <a:r>
-              <a:rPr lang="mr-IN" sz="900" dirty="0">
-                <a:ea typeface="Courier New" charset="0"/>
-                <a:cs typeface="Courier New" charset="0"/>
-              </a:rPr>
-              <a:t>];</a:t>
+              <a:t>- 2];</a:t>
             </a:r>
             <a:br>
               <a:rPr lang="mr-IN" sz="900" dirty="0">
@@ -32877,11 +32111,7 @@
             </a:r>
             <a:r>
               <a:rPr lang="fr-FR" sz="900" dirty="0" err="1"/>
-              <a:t>org.junit.</a:t>
-            </a:r>
-            <a:r>
-              <a:rPr lang="fr-FR" sz="900" dirty="0" err="1"/>
-              <a:t>Before</a:t>
+              <a:t>org.junit.Before</a:t>
             </a:r>
             <a:r>
               <a:rPr lang="fr-FR" sz="900" dirty="0"/>
@@ -32896,11 +32126,7 @@
             </a:r>
             <a:r>
               <a:rPr lang="fr-FR" sz="900" dirty="0" err="1"/>
-              <a:t>org.junit.</a:t>
-            </a:r>
-            <a:r>
-              <a:rPr lang="fr-FR" sz="900" dirty="0" err="1"/>
-              <a:t>Test</a:t>
+              <a:t>org.junit.Test</a:t>
             </a:r>
             <a:r>
               <a:rPr lang="fr-FR" sz="900" dirty="0"/>
@@ -33032,11 +32258,7 @@
             </a:br>
             <a:r>
               <a:rPr lang="fr-FR" sz="900" dirty="0"/>
-              <a:t>    </a:t>
-            </a:r>
-            <a:r>
-              <a:rPr lang="fr-FR" sz="900" dirty="0"/>
-              <a:t>@</a:t>
+              <a:t>    @</a:t>
             </a:r>
             <a:r>
               <a:rPr lang="fr-FR" sz="900" dirty="0" err="1"/>
@@ -33116,11 +32338,7 @@
             </a:br>
             <a:r>
               <a:rPr lang="fr-FR" sz="900" dirty="0"/>
-              <a:t>    </a:t>
-            </a:r>
-            <a:r>
-              <a:rPr lang="fr-FR" sz="900" dirty="0"/>
-              <a:t>@Test </a:t>
+              <a:t>    @Test </a:t>
             </a:r>
             <a:r>
               <a:rPr lang="fr-FR" sz="900" b="1" dirty="0"/>
@@ -33155,15 +32373,7 @@
             </a:r>
             <a:r>
               <a:rPr lang="fr-FR" sz="900" dirty="0"/>
-              <a:t>(</a:t>
-            </a:r>
-            <a:r>
-              <a:rPr lang="fr-FR" sz="900" dirty="0"/>
-              <a:t>0</a:t>
-            </a:r>
-            <a:r>
-              <a:rPr lang="fr-FR" sz="900" dirty="0"/>
-              <a:t>, </a:t>
+              <a:t>(0, </a:t>
             </a:r>
             <a:r>
               <a:rPr lang="fr-FR" sz="900" dirty="0" err="1"/>
@@ -33171,15 +32381,7 @@
             </a:r>
             <a:r>
               <a:rPr lang="fr-FR" sz="900" dirty="0"/>
-              <a:t>(</a:t>
-            </a:r>
-            <a:r>
-              <a:rPr lang="fr-FR" sz="900" dirty="0"/>
-              <a:t>0</a:t>
-            </a:r>
-            <a:r>
-              <a:rPr lang="fr-FR" sz="900" dirty="0"/>
-              <a:t>));</a:t>
+              <a:t>(0));</a:t>
             </a:r>
             <a:br>
               <a:rPr lang="fr-FR" sz="900" dirty="0"/>
@@ -33200,11 +32402,7 @@
             </a:br>
             <a:r>
               <a:rPr lang="fr-FR" sz="900" dirty="0"/>
-              <a:t>    </a:t>
-            </a:r>
-            <a:r>
-              <a:rPr lang="fr-FR" sz="900" dirty="0"/>
-              <a:t>@Test </a:t>
+              <a:t>    @Test </a:t>
             </a:r>
             <a:r>
               <a:rPr lang="fr-FR" sz="900" b="1" dirty="0"/>
@@ -33239,15 +32437,7 @@
             </a:r>
             <a:r>
               <a:rPr lang="fr-FR" sz="900" dirty="0"/>
-              <a:t>(</a:t>
-            </a:r>
-            <a:r>
-              <a:rPr lang="fr-FR" sz="900" dirty="0"/>
-              <a:t>1</a:t>
-            </a:r>
-            <a:r>
-              <a:rPr lang="fr-FR" sz="900" dirty="0"/>
-              <a:t>, </a:t>
+              <a:t>(1, </a:t>
             </a:r>
             <a:r>
               <a:rPr lang="fr-FR" sz="900" dirty="0" err="1"/>
@@ -33255,15 +32445,7 @@
             </a:r>
             <a:r>
               <a:rPr lang="fr-FR" sz="900" dirty="0"/>
-              <a:t>(</a:t>
-            </a:r>
-            <a:r>
-              <a:rPr lang="fr-FR" sz="900" dirty="0"/>
-              <a:t>1</a:t>
-            </a:r>
-            <a:r>
-              <a:rPr lang="fr-FR" sz="900" dirty="0"/>
-              <a:t>));</a:t>
+              <a:t>(1));</a:t>
             </a:r>
             <a:br>
               <a:rPr lang="fr-FR" sz="900" dirty="0"/>
@@ -33284,11 +32466,7 @@
             </a:br>
             <a:r>
               <a:rPr lang="fr-FR" sz="900" dirty="0"/>
-              <a:t>    </a:t>
-            </a:r>
-            <a:r>
-              <a:rPr lang="fr-FR" sz="900" dirty="0"/>
-              <a:t>@Test </a:t>
+              <a:t>    @Test </a:t>
             </a:r>
             <a:r>
               <a:rPr lang="fr-FR" sz="900" b="1" dirty="0"/>
@@ -33323,15 +32501,7 @@
             </a:r>
             <a:r>
               <a:rPr lang="fr-FR" sz="900" dirty="0"/>
-              <a:t>(</a:t>
-            </a:r>
-            <a:r>
-              <a:rPr lang="fr-FR" sz="900" dirty="0"/>
-              <a:t>1</a:t>
-            </a:r>
-            <a:r>
-              <a:rPr lang="fr-FR" sz="900" dirty="0"/>
-              <a:t>, </a:t>
+              <a:t>(1, </a:t>
             </a:r>
             <a:r>
               <a:rPr lang="fr-FR" sz="900" dirty="0" err="1"/>
@@ -33339,15 +32509,7 @@
             </a:r>
             <a:r>
               <a:rPr lang="fr-FR" sz="900" dirty="0"/>
-              <a:t>(</a:t>
-            </a:r>
-            <a:r>
-              <a:rPr lang="fr-FR" sz="900" dirty="0"/>
-              <a:t>2</a:t>
-            </a:r>
-            <a:r>
-              <a:rPr lang="fr-FR" sz="900" dirty="0"/>
-              <a:t>));</a:t>
+              <a:t>(2));</a:t>
             </a:r>
             <a:br>
               <a:rPr lang="fr-FR" sz="900" dirty="0"/>
@@ -33368,11 +32530,7 @@
             </a:br>
             <a:r>
               <a:rPr lang="fr-FR" sz="900" dirty="0"/>
-              <a:t>    </a:t>
-            </a:r>
-            <a:r>
-              <a:rPr lang="fr-FR" sz="900" dirty="0"/>
-              <a:t>@Test </a:t>
+              <a:t>    @Test </a:t>
             </a:r>
             <a:r>
               <a:rPr lang="fr-FR" sz="900" b="1" dirty="0"/>
@@ -33407,15 +32565,7 @@
             </a:r>
             <a:r>
               <a:rPr lang="fr-FR" sz="900" dirty="0"/>
-              <a:t>(</a:t>
-            </a:r>
-            <a:r>
-              <a:rPr lang="fr-FR" sz="900" dirty="0"/>
-              <a:t>2</a:t>
-            </a:r>
-            <a:r>
-              <a:rPr lang="fr-FR" sz="900" dirty="0"/>
-              <a:t>, </a:t>
+              <a:t>(2, </a:t>
             </a:r>
             <a:r>
               <a:rPr lang="fr-FR" sz="900" dirty="0" err="1"/>
@@ -33423,15 +32573,7 @@
             </a:r>
             <a:r>
               <a:rPr lang="fr-FR" sz="900" dirty="0"/>
-              <a:t>(</a:t>
-            </a:r>
-            <a:r>
-              <a:rPr lang="fr-FR" sz="900" dirty="0"/>
-              <a:t>3</a:t>
-            </a:r>
-            <a:r>
-              <a:rPr lang="fr-FR" sz="900" dirty="0"/>
-              <a:t>));</a:t>
+              <a:t>(3));</a:t>
             </a:r>
             <a:br>
               <a:rPr lang="fr-FR" sz="900" dirty="0"/>
@@ -33452,11 +32594,7 @@
             </a:br>
             <a:r>
               <a:rPr lang="fr-FR" sz="900" dirty="0"/>
-              <a:t>    </a:t>
-            </a:r>
-            <a:r>
-              <a:rPr lang="fr-FR" sz="900" dirty="0"/>
-              <a:t>@Test </a:t>
+              <a:t>    @Test </a:t>
             </a:r>
             <a:r>
               <a:rPr lang="fr-FR" sz="900" b="1" dirty="0"/>
@@ -33491,15 +32629,7 @@
             </a:r>
             <a:r>
               <a:rPr lang="fr-FR" sz="900" dirty="0"/>
-              <a:t>(</a:t>
-            </a:r>
-            <a:r>
-              <a:rPr lang="fr-FR" sz="900" dirty="0"/>
-              <a:t>5</a:t>
-            </a:r>
-            <a:r>
-              <a:rPr lang="fr-FR" sz="900" dirty="0"/>
-              <a:t>, </a:t>
+              <a:t>(5, </a:t>
             </a:r>
             <a:r>
               <a:rPr lang="fr-FR" sz="900" dirty="0" err="1"/>
@@ -33507,15 +32637,7 @@
             </a:r>
             <a:r>
               <a:rPr lang="fr-FR" sz="900" dirty="0"/>
-              <a:t>(</a:t>
-            </a:r>
-            <a:r>
-              <a:rPr lang="fr-FR" sz="900" dirty="0"/>
-              <a:t>5</a:t>
-            </a:r>
-            <a:r>
-              <a:rPr lang="fr-FR" sz="900" dirty="0"/>
-              <a:t>));</a:t>
+              <a:t>(5));</a:t>
             </a:r>
             <a:br>
               <a:rPr lang="fr-FR" sz="900" dirty="0"/>
@@ -33536,11 +32658,7 @@
             </a:br>
             <a:r>
               <a:rPr lang="fr-FR" sz="900" dirty="0"/>
-              <a:t>    </a:t>
-            </a:r>
-            <a:r>
-              <a:rPr lang="fr-FR" sz="900" dirty="0"/>
-              <a:t>@Test </a:t>
+              <a:t>    @Test </a:t>
             </a:r>
             <a:r>
               <a:rPr lang="fr-FR" sz="900" b="1" dirty="0"/>
@@ -33583,23 +32701,7 @@
             </a:r>
             <a:r>
               <a:rPr lang="fr-FR" sz="900" dirty="0"/>
-              <a:t>(</a:t>
-            </a:r>
-            <a:r>
-              <a:rPr lang="fr-FR" sz="900" dirty="0"/>
-              <a:t>49</a:t>
-            </a:r>
-            <a:r>
-              <a:rPr lang="fr-FR" sz="900" dirty="0"/>
-              <a:t>) &gt; </a:t>
-            </a:r>
-            <a:r>
-              <a:rPr lang="fr-FR" sz="900" dirty="0"/>
-              <a:t>1000000000</a:t>
-            </a:r>
-            <a:r>
-              <a:rPr lang="fr-FR" sz="900" dirty="0"/>
-              <a:t>);</a:t>
+              <a:t>(49) &gt; 1000000000);</a:t>
             </a:r>
             <a:br>
               <a:rPr lang="fr-FR" sz="900" dirty="0"/>
@@ -33671,15 +32773,7 @@
             </a:r>
             <a:r>
               <a:rPr lang="fr-FR" sz="900" dirty="0"/>
-              <a:t>(index + </a:t>
-            </a:r>
-            <a:r>
-              <a:rPr lang="fr-FR" sz="900" dirty="0"/>
-              <a:t>1</a:t>
-            </a:r>
-            <a:r>
-              <a:rPr lang="fr-FR" sz="900" dirty="0"/>
-              <a:t>)[index];</a:t>
+              <a:t>(index + 1)[index];</a:t>
             </a:r>
             <a:br>
               <a:rPr lang="fr-FR" sz="900" dirty="0"/>
@@ -33922,7 +33016,7 @@
             </a:r>
             <a:r>
               <a:rPr lang="en-US" altLang="fr-FR" dirty="0" err="1" smtClean="0"/>
-              <a:t>FibonacciShould</a:t>
+              <a:t>FibonacciShouldReturn</a:t>
             </a:r>
             <a:endParaRPr lang="en-US" altLang="fr-FR" dirty="0" smtClean="0"/>
           </a:p>
@@ -35804,7 +34898,15 @@
             </a:r>
             <a:r>
               <a:rPr lang="fr-FR" sz="900" dirty="0" err="1"/>
-              <a:t>fibonacci.generate</a:t>
+              <a:t>fibonacci.</a:t>
+            </a:r>
+            <a:r>
+              <a:rPr lang="fr-FR" sz="900" dirty="0" err="1">
+                <a:solidFill>
+                  <a:srgbClr val="FF0000"/>
+                </a:solidFill>
+              </a:rPr>
+              <a:t>generate</a:t>
             </a:r>
             <a:r>
               <a:rPr lang="fr-FR" sz="900" dirty="0"/>
